--- a/LectureSlides/20NaturalLanguage.pptx
+++ b/LectureSlides/20NaturalLanguage.pptx
@@ -229,7 +229,7 @@
           <a:p>
             <a:fld id="{49C54BA5-AFD2-44A2-8B3A-57BC74BE50AF}" type="datetimeFigureOut">
               <a:rPr lang="en-US" smtClean="0"/>
-              <a:t>10/14/2024</a:t>
+              <a:t>12/20/2024</a:t>
             </a:fld>
             <a:endParaRPr lang="en-US"/>
           </a:p>
@@ -720,7 +720,7 @@
           <a:p>
             <a:fld id="{8048AC45-3728-461D-94FC-42E241460A52}" type="datetime1">
               <a:rPr lang="en-US" smtClean="0"/>
-              <a:t>10/14/2024</a:t>
+              <a:t>12/20/2024</a:t>
             </a:fld>
             <a:endParaRPr lang="en-US"/>
           </a:p>
@@ -928,7 +928,7 @@
           <a:p>
             <a:fld id="{B327692D-3029-46BE-8BC3-ED4964BAE204}" type="datetime1">
               <a:rPr lang="en-US" smtClean="0"/>
-              <a:t>10/14/2024</a:t>
+              <a:t>12/20/2024</a:t>
             </a:fld>
             <a:endParaRPr lang="en-US"/>
           </a:p>
@@ -1184,7 +1184,7 @@
           <a:p>
             <a:fld id="{80080E1B-5FA2-41C8-80DE-A943097EB1D6}" type="datetime1">
               <a:rPr lang="en-US" smtClean="0"/>
-              <a:t>10/14/2024</a:t>
+              <a:t>12/20/2024</a:t>
             </a:fld>
             <a:endParaRPr lang="en-US"/>
           </a:p>
@@ -1369,7 +1369,7 @@
           <a:p>
             <a:fld id="{CF48132D-E24B-428A-A6F0-75A0E70806F3}" type="datetime1">
               <a:rPr lang="en-US" smtClean="0"/>
-              <a:t>10/14/2024</a:t>
+              <a:t>12/20/2024</a:t>
             </a:fld>
             <a:endParaRPr lang="en-US"/>
           </a:p>
@@ -1712,7 +1712,7 @@
           <a:p>
             <a:fld id="{B5D2DB03-78C3-40B0-BD1F-F270BBBC3C0D}" type="datetime1">
               <a:rPr lang="en-US" smtClean="0"/>
-              <a:t>10/14/2024</a:t>
+              <a:t>12/20/2024</a:t>
             </a:fld>
             <a:endParaRPr lang="en-US"/>
           </a:p>
@@ -2017,7 +2017,7 @@
           <a:p>
             <a:fld id="{9398A452-A581-4B74-AFB1-210155B93068}" type="datetime1">
               <a:rPr lang="en-US" smtClean="0"/>
-              <a:t>10/14/2024</a:t>
+              <a:t>12/20/2024</a:t>
             </a:fld>
             <a:endParaRPr lang="en-US"/>
           </a:p>
@@ -2426,7 +2426,7 @@
           <a:p>
             <a:fld id="{561DB093-8835-4F0C-B809-6516397302BE}" type="datetime1">
               <a:rPr lang="en-US" smtClean="0"/>
-              <a:t>10/14/2024</a:t>
+              <a:t>12/20/2024</a:t>
             </a:fld>
             <a:endParaRPr lang="en-US"/>
           </a:p>
@@ -2544,7 +2544,7 @@
           <a:p>
             <a:fld id="{B2C34B5E-B3AD-4293-A528-06169DA6107C}" type="datetime1">
               <a:rPr lang="en-US" smtClean="0"/>
-              <a:t>10/14/2024</a:t>
+              <a:t>12/20/2024</a:t>
             </a:fld>
             <a:endParaRPr lang="en-US"/>
           </a:p>
@@ -2715,7 +2715,7 @@
           <a:p>
             <a:fld id="{3BE4ACE4-56CD-4131-A0FF-0470B0256083}" type="datetime1">
               <a:rPr lang="en-US" smtClean="0"/>
-              <a:t>10/14/2024</a:t>
+              <a:t>12/20/2024</a:t>
             </a:fld>
             <a:endParaRPr lang="en-US"/>
           </a:p>
@@ -3084,7 +3084,7 @@
           <a:p>
             <a:fld id="{F51977D8-380C-45B0-B086-366ECAD753E2}" type="datetime1">
               <a:rPr lang="en-US" smtClean="0"/>
-              <a:t>10/14/2024</a:t>
+              <a:t>12/20/2024</a:t>
             </a:fld>
             <a:endParaRPr lang="en-US"/>
           </a:p>
@@ -3461,7 +3461,7 @@
           <a:p>
             <a:fld id="{C75265DE-C2A2-48AD-A55D-FD1F5E978305}" type="datetime1">
               <a:rPr lang="en-US" smtClean="0"/>
-              <a:t>10/14/2024</a:t>
+              <a:t>12/20/2024</a:t>
             </a:fld>
             <a:endParaRPr lang="en-US"/>
           </a:p>
@@ -3748,7 +3748,7 @@
           <a:p>
             <a:fld id="{B0280B1A-E4C0-48BB-8A16-C563256AA880}" type="datetime1">
               <a:rPr lang="en-US" smtClean="0"/>
-              <a:t>10/14/2024</a:t>
+              <a:t>12/20/2024</a:t>
             </a:fld>
             <a:endParaRPr lang="en-US"/>
           </a:p>
@@ -4296,7 +4296,7 @@
           <a:p>
             <a:r>
               <a:rPr lang="en-US" dirty="0"/>
-              <a:t>11 – Natural Language</a:t>
+              <a:t>20 – Natural Language</a:t>
             </a:r>
           </a:p>
         </p:txBody>
